--- a/Capstone_final_submission/Job Classification- Data Scientist.pptx
+++ b/Capstone_final_submission/Job Classification- Data Scientist.pptx
@@ -9306,14 +9306,14 @@
             <p:ph idx="1"/>
             <p:extLst>
               <p:ext uri="{D42A27DB-BD31-4B8C-83A1-F6EECF244321}">
-                <p14:modId xmlns:p14="http://schemas.microsoft.com/office/powerpoint/2010/main" val="3694177067"/>
+                <p14:modId xmlns:p14="http://schemas.microsoft.com/office/powerpoint/2010/main" val="1355645092"/>
               </p:ext>
             </p:extLst>
           </p:nvPr>
         </p:nvGraphicFramePr>
         <p:xfrm>
-          <a:off x="838199" y="1447800"/>
-          <a:ext cx="9279468" cy="4875192"/>
+          <a:off x="914400" y="1447800"/>
+          <a:ext cx="9203267" cy="4042660"/>
         </p:xfrm>
         <a:graphic>
           <a:graphicData uri="http://schemas.openxmlformats.org/drawingml/2006/table">
@@ -9322,7 +9322,7 @@
                 <a:tableStyleId>{5C22544A-7EE6-4342-B048-85BDC9FD1C3A}</a:tableStyleId>
               </a:tblPr>
               <a:tblGrid>
-                <a:gridCol w="1546578">
+                <a:gridCol w="1470377">
                   <a:extLst>
                     <a:ext uri="{9D8B030D-6E8A-4147-A177-3AD203B41FA5}">
                       <a16:colId xmlns:a16="http://schemas.microsoft.com/office/drawing/2014/main" val="3602587302"/>
@@ -9707,82 +9707,6 @@
                 <a:extLst>
                   <a:ext uri="{0D108BD9-81ED-4DB2-BD59-A6C34878D82A}">
                     <a16:rowId xmlns:a16="http://schemas.microsoft.com/office/drawing/2014/main" val="38925022"/>
-                  </a:ext>
-                </a:extLst>
-              </a:tr>
-              <a:tr h="832532">
-                <a:tc>
-                  <a:txBody>
-                    <a:bodyPr/>
-                    <a:lstStyle/>
-                    <a:p>
-                      <a:r>
-                        <a:rPr lang="en-SG" dirty="0"/>
-                        <a:t>XGBOOST with</a:t>
-                      </a:r>
-                    </a:p>
-                    <a:p>
-                      <a:r>
-                        <a:rPr lang="en-SG" dirty="0"/>
-                        <a:t>CV</a:t>
-                      </a:r>
-                    </a:p>
-                  </a:txBody>
-                  <a:tcPr/>
-                </a:tc>
-                <a:tc>
-                  <a:txBody>
-                    <a:bodyPr/>
-                    <a:lstStyle/>
-                    <a:p>
-                      <a:endParaRPr lang="en-SG" dirty="0"/>
-                    </a:p>
-                  </a:txBody>
-                  <a:tcPr/>
-                </a:tc>
-                <a:tc>
-                  <a:txBody>
-                    <a:bodyPr/>
-                    <a:lstStyle/>
-                    <a:p>
-                      <a:endParaRPr lang="en-SG"/>
-                    </a:p>
-                  </a:txBody>
-                  <a:tcPr/>
-                </a:tc>
-                <a:tc>
-                  <a:txBody>
-                    <a:bodyPr/>
-                    <a:lstStyle/>
-                    <a:p>
-                      <a:endParaRPr lang="en-SG" dirty="0"/>
-                    </a:p>
-                  </a:txBody>
-                  <a:tcPr/>
-                </a:tc>
-                <a:tc>
-                  <a:txBody>
-                    <a:bodyPr/>
-                    <a:lstStyle/>
-                    <a:p>
-                      <a:endParaRPr lang="en-SG" dirty="0"/>
-                    </a:p>
-                  </a:txBody>
-                  <a:tcPr/>
-                </a:tc>
-                <a:tc>
-                  <a:txBody>
-                    <a:bodyPr/>
-                    <a:lstStyle/>
-                    <a:p>
-                      <a:endParaRPr lang="en-SG" dirty="0"/>
-                    </a:p>
-                  </a:txBody>
-                  <a:tcPr/>
-                </a:tc>
-                <a:extLst>
-                  <a:ext uri="{0D108BD9-81ED-4DB2-BD59-A6C34878D82A}">
-                    <a16:rowId xmlns:a16="http://schemas.microsoft.com/office/drawing/2014/main" val="3039190113"/>
                   </a:ext>
                 </a:extLst>
               </a:tr>
